--- a/SBI_tutorial_v1.2.pptx
+++ b/SBI_tutorial_v1.2.pptx
@@ -118,6 +118,11 @@
       </a:defRPr>
     </a:lvl9pPr>
   </p:defaultTextStyle>
+  <p:extLst>
+    <p:ext uri="{EFAFB233-063F-42B5-8137-9DF3F51BA10A}">
+      <p15:sldGuideLst xmlns:p15="http://schemas.microsoft.com/office/powerpoint/2012/main"/>
+    </p:ext>
+  </p:extLst>
 </p:presentation>
 </file>
 
@@ -270,7 +275,7 @@
           <a:p>
             <a:fld id="{F7EE2690-3F34-E844-8A02-9133831672C1}" type="datetimeFigureOut">
               <a:rPr lang="en-DE" smtClean="0"/>
-              <a:t>23.11.23</a:t>
+              <a:t>19.12.23</a:t>
             </a:fld>
             <a:endParaRPr lang="en-DE"/>
           </a:p>
@@ -470,7 +475,7 @@
           <a:p>
             <a:fld id="{F7EE2690-3F34-E844-8A02-9133831672C1}" type="datetimeFigureOut">
               <a:rPr lang="en-DE" smtClean="0"/>
-              <a:t>23.11.23</a:t>
+              <a:t>19.12.23</a:t>
             </a:fld>
             <a:endParaRPr lang="en-DE"/>
           </a:p>
@@ -680,7 +685,7 @@
           <a:p>
             <a:fld id="{F7EE2690-3F34-E844-8A02-9133831672C1}" type="datetimeFigureOut">
               <a:rPr lang="en-DE" smtClean="0"/>
-              <a:t>23.11.23</a:t>
+              <a:t>19.12.23</a:t>
             </a:fld>
             <a:endParaRPr lang="en-DE"/>
           </a:p>
@@ -1141,7 +1146,7 @@
           <a:p>
             <a:fld id="{F7EE2690-3F34-E844-8A02-9133831672C1}" type="datetimeFigureOut">
               <a:rPr lang="en-DE" smtClean="0"/>
-              <a:t>23.11.23</a:t>
+              <a:t>19.12.23</a:t>
             </a:fld>
             <a:endParaRPr lang="en-DE"/>
           </a:p>
@@ -1417,7 +1422,7 @@
           <a:p>
             <a:fld id="{F7EE2690-3F34-E844-8A02-9133831672C1}" type="datetimeFigureOut">
               <a:rPr lang="en-DE" smtClean="0"/>
-              <a:t>23.11.23</a:t>
+              <a:t>19.12.23</a:t>
             </a:fld>
             <a:endParaRPr lang="en-DE"/>
           </a:p>
@@ -1685,7 +1690,7 @@
           <a:p>
             <a:fld id="{F7EE2690-3F34-E844-8A02-9133831672C1}" type="datetimeFigureOut">
               <a:rPr lang="en-DE" smtClean="0"/>
-              <a:t>23.11.23</a:t>
+              <a:t>19.12.23</a:t>
             </a:fld>
             <a:endParaRPr lang="en-DE"/>
           </a:p>
@@ -2100,7 +2105,7 @@
           <a:p>
             <a:fld id="{F7EE2690-3F34-E844-8A02-9133831672C1}" type="datetimeFigureOut">
               <a:rPr lang="en-DE" smtClean="0"/>
-              <a:t>23.11.23</a:t>
+              <a:t>19.12.23</a:t>
             </a:fld>
             <a:endParaRPr lang="en-DE"/>
           </a:p>
@@ -2242,7 +2247,7 @@
           <a:p>
             <a:fld id="{F7EE2690-3F34-E844-8A02-9133831672C1}" type="datetimeFigureOut">
               <a:rPr lang="en-DE" smtClean="0"/>
-              <a:t>23.11.23</a:t>
+              <a:t>19.12.23</a:t>
             </a:fld>
             <a:endParaRPr lang="en-DE"/>
           </a:p>
@@ -2355,7 +2360,7 @@
           <a:p>
             <a:fld id="{F7EE2690-3F34-E844-8A02-9133831672C1}" type="datetimeFigureOut">
               <a:rPr lang="en-DE" smtClean="0"/>
-              <a:t>23.11.23</a:t>
+              <a:t>19.12.23</a:t>
             </a:fld>
             <a:endParaRPr lang="en-DE"/>
           </a:p>
@@ -2668,7 +2673,7 @@
           <a:p>
             <a:fld id="{F7EE2690-3F34-E844-8A02-9133831672C1}" type="datetimeFigureOut">
               <a:rPr lang="en-DE" smtClean="0"/>
-              <a:t>23.11.23</a:t>
+              <a:t>19.12.23</a:t>
             </a:fld>
             <a:endParaRPr lang="en-DE"/>
           </a:p>
@@ -2957,7 +2962,7 @@
           <a:p>
             <a:fld id="{F7EE2690-3F34-E844-8A02-9133831672C1}" type="datetimeFigureOut">
               <a:rPr lang="en-DE" smtClean="0"/>
-              <a:t>23.11.23</a:t>
+              <a:t>19.12.23</a:t>
             </a:fld>
             <a:endParaRPr lang="en-DE"/>
           </a:p>
@@ -3200,7 +3205,7 @@
           <a:p>
             <a:fld id="{F7EE2690-3F34-E844-8A02-9133831672C1}" type="datetimeFigureOut">
               <a:rPr lang="en-DE" smtClean="0"/>
-              <a:t>23.11.23</a:t>
+              <a:t>19.12.23</a:t>
             </a:fld>
             <a:endParaRPr lang="en-DE"/>
           </a:p>
@@ -3657,25 +3662,19 @@
               <a:rPr dirty="0">
                 <a:sym typeface="Helvetica Neue"/>
               </a:rPr>
-              <a:t>Alina </a:t>
-            </a:r>
-            <a:r>
-              <a:rPr dirty="0" err="1">
-                <a:sym typeface="Helvetica Neue"/>
-              </a:rPr>
-              <a:t>Bazarova</a:t>
-            </a:r>
-            <a:r>
-              <a:rPr dirty="0">
-                <a:sym typeface="Helvetica Neue"/>
-              </a:rPr>
-              <a:t>, </a:t>
+              <a:t>Alina Bazarova, </a:t>
             </a:r>
             <a:r>
               <a:rPr lang="en-US" dirty="0">
                 <a:sym typeface="Helvetica Neue"/>
               </a:rPr>
-              <a:t>30.11.20223</a:t>
+              <a:t>Stefan </a:t>
+            </a:r>
+            <a:r>
+              <a:rPr lang="en-US" dirty="0" err="1">
+                <a:sym typeface="Helvetica Neue"/>
+              </a:rPr>
+              <a:t>Kesselheim</a:t>
             </a:r>
             <a:endParaRPr dirty="0">
               <a:sym typeface="Helvetica Neue"/>
@@ -4249,6 +4248,50 @@
           </a:p>
         </p:txBody>
       </p:sp>
+      <p:sp>
+        <p:nvSpPr>
+          <p:cNvPr id="3" name="TextBox 2">
+            <a:extLst>
+              <a:ext uri="{FF2B5EF4-FFF2-40B4-BE49-F238E27FC236}">
+                <a16:creationId xmlns:a16="http://schemas.microsoft.com/office/drawing/2014/main" id="{0CF601E4-03BE-0E71-4C12-6F78DFD48645}"/>
+              </a:ext>
+            </a:extLst>
+          </p:cNvPr>
+          <p:cNvSpPr txBox="1"/>
+          <p:nvPr/>
+        </p:nvSpPr>
+        <p:spPr>
+          <a:xfrm>
+            <a:off x="742361" y="5118537"/>
+            <a:ext cx="7023654" cy="307777"/>
+          </a:xfrm>
+          <a:prstGeom prst="rect">
+            <a:avLst/>
+          </a:prstGeom>
+          <a:noFill/>
+        </p:spPr>
+        <p:txBody>
+          <a:bodyPr wrap="none" rtlCol="0">
+            <a:spAutoFit/>
+          </a:bodyPr>
+          <a:lstStyle/>
+          <a:p>
+            <a:r>
+              <a:rPr lang="en-DE" sz="1400" i="1" dirty="0"/>
+              <a:t>Figure from Frontier of simulation-based inference, Cranmer et al. </a:t>
+            </a:r>
+            <a:r>
+              <a:rPr lang="en-GB" sz="1400" b="0" i="1" u="sng" dirty="0">
+                <a:effectLst/>
+                <a:latin typeface="Open Sans" panose="020B0606030504020204" pitchFamily="34" charset="0"/>
+                <a:hlinkClick r:id="rId3"/>
+              </a:rPr>
+              <a:t>10.1073/pnas.191278911</a:t>
+            </a:r>
+            <a:endParaRPr lang="en-DE" sz="1400" i="1" dirty="0"/>
+          </a:p>
+        </p:txBody>
+      </p:sp>
     </p:spTree>
     <p:extLst>
       <p:ext uri="{BB962C8B-B14F-4D97-AF65-F5344CB8AC3E}">
@@ -5536,6 +5579,36 @@
           </a:p>
         </p:txBody>
       </p:sp>
+      <p:pic>
+        <p:nvPicPr>
+          <p:cNvPr id="5" name="Picture 4">
+            <a:extLst>
+              <a:ext uri="{FF2B5EF4-FFF2-40B4-BE49-F238E27FC236}">
+                <a16:creationId xmlns:a16="http://schemas.microsoft.com/office/drawing/2014/main" id="{F8629EFF-ACFD-8E5D-3CDC-44DC74CBCC53}"/>
+              </a:ext>
+            </a:extLst>
+          </p:cNvPr>
+          <p:cNvPicPr>
+            <a:picLocks noChangeAspect="1"/>
+          </p:cNvPicPr>
+          <p:nvPr/>
+        </p:nvPicPr>
+        <p:blipFill>
+          <a:blip r:embed="rId2"/>
+          <a:stretch>
+            <a:fillRect/>
+          </a:stretch>
+        </p:blipFill>
+        <p:spPr>
+          <a:xfrm>
+            <a:off x="8226559" y="3263367"/>
+            <a:ext cx="2590800" cy="2578100"/>
+          </a:xfrm>
+          <a:prstGeom prst="rect">
+            <a:avLst/>
+          </a:prstGeom>
+        </p:spPr>
+      </p:pic>
     </p:spTree>
     <p:extLst>
       <p:ext uri="{BB962C8B-B14F-4D97-AF65-F5344CB8AC3E}">
@@ -6462,7 +6535,7 @@
           <a:lstStyle/>
           <a:p>
             <a:r>
-              <a:rPr lang="en-US" sz="900">
+              <a:rPr lang="en-US" sz="900" dirty="0">
                 <a:noFill/>
               </a:rPr>
               <a:t> </a:t>
@@ -6984,7 +7057,7 @@
         <p:spPr>
           <a:xfrm>
             <a:off x="603250" y="5852160"/>
-            <a:ext cx="3920497" cy="369332"/>
+            <a:ext cx="3983013" cy="369332"/>
           </a:xfrm>
           <a:prstGeom prst="rect">
             <a:avLst/>
@@ -7059,7 +7132,7 @@
           <a:p>
             <a:r>
               <a:rPr lang="en-DE" sz="2800" b="1" dirty="0"/>
-              <a:t>What is the Simulation Based Inference?</a:t>
+              <a:t>What is Simulation Based Inference?</a:t>
             </a:r>
           </a:p>
         </p:txBody>

--- a/SBI_tutorial_v1.2.pptx
+++ b/SBI_tutorial_v1.2.pptx
@@ -296,7 +296,7 @@
           <a:p>
             <a:fld id="{F7EE2690-3F34-E844-8A02-9133831672C1}" type="datetimeFigureOut">
               <a:rPr lang="en-DE" smtClean="0"/>
-              <a:t>09.06.24</a:t>
+              <a:t>11.06.24</a:t>
             </a:fld>
             <a:endParaRPr lang="en-DE"/>
           </a:p>
@@ -496,7 +496,7 @@
           <a:p>
             <a:fld id="{F7EE2690-3F34-E844-8A02-9133831672C1}" type="datetimeFigureOut">
               <a:rPr lang="en-DE" smtClean="0"/>
-              <a:t>09.06.24</a:t>
+              <a:t>11.06.24</a:t>
             </a:fld>
             <a:endParaRPr lang="en-DE"/>
           </a:p>
@@ -706,7 +706,7 @@
           <a:p>
             <a:fld id="{F7EE2690-3F34-E844-8A02-9133831672C1}" type="datetimeFigureOut">
               <a:rPr lang="en-DE" smtClean="0"/>
-              <a:t>09.06.24</a:t>
+              <a:t>11.06.24</a:t>
             </a:fld>
             <a:endParaRPr lang="en-DE"/>
           </a:p>
@@ -1167,7 +1167,7 @@
           <a:p>
             <a:fld id="{F7EE2690-3F34-E844-8A02-9133831672C1}" type="datetimeFigureOut">
               <a:rPr lang="en-DE" smtClean="0"/>
-              <a:t>09.06.24</a:t>
+              <a:t>11.06.24</a:t>
             </a:fld>
             <a:endParaRPr lang="en-DE"/>
           </a:p>
@@ -1443,7 +1443,7 @@
           <a:p>
             <a:fld id="{F7EE2690-3F34-E844-8A02-9133831672C1}" type="datetimeFigureOut">
               <a:rPr lang="en-DE" smtClean="0"/>
-              <a:t>09.06.24</a:t>
+              <a:t>11.06.24</a:t>
             </a:fld>
             <a:endParaRPr lang="en-DE"/>
           </a:p>
@@ -1711,7 +1711,7 @@
           <a:p>
             <a:fld id="{F7EE2690-3F34-E844-8A02-9133831672C1}" type="datetimeFigureOut">
               <a:rPr lang="en-DE" smtClean="0"/>
-              <a:t>09.06.24</a:t>
+              <a:t>11.06.24</a:t>
             </a:fld>
             <a:endParaRPr lang="en-DE"/>
           </a:p>
@@ -2126,7 +2126,7 @@
           <a:p>
             <a:fld id="{F7EE2690-3F34-E844-8A02-9133831672C1}" type="datetimeFigureOut">
               <a:rPr lang="en-DE" smtClean="0"/>
-              <a:t>09.06.24</a:t>
+              <a:t>11.06.24</a:t>
             </a:fld>
             <a:endParaRPr lang="en-DE"/>
           </a:p>
@@ -2268,7 +2268,7 @@
           <a:p>
             <a:fld id="{F7EE2690-3F34-E844-8A02-9133831672C1}" type="datetimeFigureOut">
               <a:rPr lang="en-DE" smtClean="0"/>
-              <a:t>09.06.24</a:t>
+              <a:t>11.06.24</a:t>
             </a:fld>
             <a:endParaRPr lang="en-DE"/>
           </a:p>
@@ -2381,7 +2381,7 @@
           <a:p>
             <a:fld id="{F7EE2690-3F34-E844-8A02-9133831672C1}" type="datetimeFigureOut">
               <a:rPr lang="en-DE" smtClean="0"/>
-              <a:t>09.06.24</a:t>
+              <a:t>11.06.24</a:t>
             </a:fld>
             <a:endParaRPr lang="en-DE"/>
           </a:p>
@@ -2694,7 +2694,7 @@
           <a:p>
             <a:fld id="{F7EE2690-3F34-E844-8A02-9133831672C1}" type="datetimeFigureOut">
               <a:rPr lang="en-DE" smtClean="0"/>
-              <a:t>09.06.24</a:t>
+              <a:t>11.06.24</a:t>
             </a:fld>
             <a:endParaRPr lang="en-DE"/>
           </a:p>
@@ -2983,7 +2983,7 @@
           <a:p>
             <a:fld id="{F7EE2690-3F34-E844-8A02-9133831672C1}" type="datetimeFigureOut">
               <a:rPr lang="en-DE" smtClean="0"/>
-              <a:t>09.06.24</a:t>
+              <a:t>11.06.24</a:t>
             </a:fld>
             <a:endParaRPr lang="en-DE"/>
           </a:p>
@@ -3226,7 +3226,7 @@
           <a:p>
             <a:fld id="{F7EE2690-3F34-E844-8A02-9133831672C1}" type="datetimeFigureOut">
               <a:rPr lang="en-DE" smtClean="0"/>
-              <a:t>09.06.24</a:t>
+              <a:t>11.06.24</a:t>
             </a:fld>
             <a:endParaRPr lang="en-DE"/>
           </a:p>
@@ -4529,41 +4529,6 @@
           </a:prstGeom>
         </p:spPr>
       </p:pic>
-      <p:sp>
-        <p:nvSpPr>
-          <p:cNvPr id="5" name="TextBox 4">
-            <a:extLst>
-              <a:ext uri="{FF2B5EF4-FFF2-40B4-BE49-F238E27FC236}">
-                <a16:creationId xmlns:a16="http://schemas.microsoft.com/office/drawing/2014/main" id="{E5895816-3D64-23AB-FAA5-66A6AE31A31A}"/>
-              </a:ext>
-            </a:extLst>
-          </p:cNvPr>
-          <p:cNvSpPr txBox="1"/>
-          <p:nvPr/>
-        </p:nvSpPr>
-        <p:spPr>
-          <a:xfrm>
-            <a:off x="603250" y="5852160"/>
-            <a:ext cx="3983013" cy="369332"/>
-          </a:xfrm>
-          <a:prstGeom prst="rect">
-            <a:avLst/>
-          </a:prstGeom>
-          <a:noFill/>
-        </p:spPr>
-        <p:txBody>
-          <a:bodyPr wrap="none" rtlCol="0">
-            <a:spAutoFit/>
-          </a:bodyPr>
-          <a:lstStyle/>
-          <a:p>
-            <a:r>
-              <a:rPr lang="en-DE" dirty="0"/>
-              <a:t>Jupyter notebook 1 – warm-up example</a:t>
-            </a:r>
-          </a:p>
-        </p:txBody>
-      </p:sp>
     </p:spTree>
   </p:cSld>
   <p:clrMapOvr>
@@ -7278,8 +7243,8 @@
           </a:p>
         </p:txBody>
       </p:sp>
-      <mc:AlternateContent xmlns:mc="http://schemas.openxmlformats.org/markup-compatibility/2006">
-        <mc:Choice xmlns:a14="http://schemas.microsoft.com/office/drawing/2010/main" Requires="a14">
+      <mc:AlternateContent xmlns:mc="http://schemas.openxmlformats.org/markup-compatibility/2006" xmlns:a14="http://schemas.microsoft.com/office/drawing/2010/main">
+        <mc:Choice Requires="a14">
           <p:sp>
             <p:nvSpPr>
               <p:cNvPr id="3" name="TextBox 2">
@@ -7532,7 +7497,7 @@
             </p:txBody>
           </p:sp>
         </mc:Choice>
-        <mc:Fallback>
+        <mc:Fallback xmlns="">
           <p:sp>
             <p:nvSpPr>
               <p:cNvPr id="3" name="TextBox 2">
@@ -7672,8 +7637,8 @@
           </a:p>
         </p:txBody>
       </p:sp>
-      <mc:AlternateContent xmlns:mc="http://schemas.openxmlformats.org/markup-compatibility/2006">
-        <mc:Choice xmlns:a14="http://schemas.microsoft.com/office/drawing/2010/main" Requires="a14">
+      <mc:AlternateContent xmlns:mc="http://schemas.openxmlformats.org/markup-compatibility/2006" xmlns:a14="http://schemas.microsoft.com/office/drawing/2010/main">
+        <mc:Choice Requires="a14">
           <p:sp>
             <p:nvSpPr>
               <p:cNvPr id="3" name="TextBox 2">
@@ -7960,7 +7925,7 @@
             </p:txBody>
           </p:sp>
         </mc:Choice>
-        <mc:Fallback>
+        <mc:Fallback xmlns="">
           <p:sp>
             <p:nvSpPr>
               <p:cNvPr id="3" name="TextBox 2">
